--- a/lectures/CSE8AW20-01-09-Lec2-Functions/CSE8AW20-01-07-Lec2-Functions-slides.pptx
+++ b/lectures/CSE8AW20-01-09-Lec2-Functions/CSE8AW20-01-07-Lec2-Functions-slides.pptx
@@ -3834,6 +3834,12 @@
               <a:t>Winter 2020</a:t>
             </a:r>
           </a:p>
+          <a:p>
+            <a:r>
+              <a:rPr lang="en-US" dirty="0"/>
+              <a:t>Lecture Jan 09, Functions</a:t>
+            </a:r>
+          </a:p>
         </p:txBody>
       </p:sp>
     </p:spTree>
@@ -5963,18 +5969,9 @@
           </a:p>
           <a:p>
             <a:r>
-              <a:rPr lang="en-US"/>
-              <a:t>PA1 </a:t>
-            </a:r>
-            <a:r>
               <a:rPr lang="en-US" dirty="0"/>
-              <a:t>released later today, </a:t>
-            </a:r>
-            <a:r>
-              <a:rPr lang="en-US"/>
-              <a:t>due Tuesday!</a:t>
-            </a:r>
-            <a:endParaRPr lang="en-US" dirty="0"/>
+              <a:t>PA1 released later today, due Tuesday!</a:t>
+            </a:r>
           </a:p>
         </p:txBody>
       </p:sp>
@@ -6176,7 +6173,9 @@
           </a:xfrm>
         </p:spPr>
         <p:txBody>
-          <a:bodyPr/>
+          <a:bodyPr>
+            <a:normAutofit fontScale="92500" lnSpcReduction="10000"/>
+          </a:bodyPr>
           <a:lstStyle/>
           <a:p>
             <a:r>
@@ -6212,6 +6211,15 @@
             <a:r>
               <a:rPr lang="en-US" dirty="0"/>
               <a:t>Come chat with us about any questions you have about the course</a:t>
+            </a:r>
+          </a:p>
+          <a:p>
+            <a:endParaRPr lang="en-US" dirty="0"/>
+          </a:p>
+          <a:p>
+            <a:r>
+              <a:rPr lang="en-US" dirty="0"/>
+              <a:t>Keep asking good questions on Canvas! (And check out what your classmates have already asked)</a:t>
             </a:r>
           </a:p>
         </p:txBody>
